--- a/PPT/每次课PPT/07 Java API-1.pptx
+++ b/PPT/每次课PPT/07 Java API-1.pptx
@@ -254,7 +254,7 @@
             <a:fld id="{1AA66804-583B-42BE-962B-441699487C40}" type="datetimeFigureOut">
               <a:rPr lang="zh-CN" altLang="en-US" smtClean="0"/>
               <a:pPr/>
-              <a:t>2017/10/29</a:t>
+              <a:t>2019/10/27</a:t>
             </a:fld>
             <a:endParaRPr lang="zh-CN" altLang="en-US"/>
           </a:p>
@@ -498,7 +498,7 @@
             <a:fld id="{B9EEDA17-7CE7-49CA-897E-A1888A19DA62}" type="datetimeFigureOut">
               <a:rPr lang="zh-CN" altLang="en-US"/>
               <a:pPr/>
-              <a:t>2017/10/29</a:t>
+              <a:t>2019/10/27</a:t>
             </a:fld>
             <a:endParaRPr lang="en-US"/>
           </a:p>
@@ -11606,13 +11606,6 @@
               </a:rPr>
               <a:t>）</a:t>
             </a:r>
-            <a:endParaRPr lang="zh-CN" altLang="en-US" sz="3200" dirty="0" smtClean="0">
-              <a:solidFill>
-                <a:srgbClr val="F8F8F8"/>
-              </a:solidFill>
-              <a:latin typeface="微软雅黑"/>
-              <a:ea typeface="微软雅黑"/>
-            </a:endParaRPr>
           </a:p>
         </p:txBody>
       </p:sp>
@@ -12761,25 +12754,8 @@
                 <a:latin typeface="微软雅黑"/>
                 <a:ea typeface="微软雅黑"/>
               </a:rPr>
-              <a:t>更进一步考虑：</a:t>
+              <a:t>更进一步考虑：如何添加一个学生信息？</a:t>
             </a:r>
-            <a:r>
-              <a:rPr lang="zh-CN" altLang="en-US" sz="3200" dirty="0" smtClean="0">
-                <a:solidFill>
-                  <a:srgbClr val="F8F8F8"/>
-                </a:solidFill>
-                <a:latin typeface="微软雅黑"/>
-                <a:ea typeface="微软雅黑"/>
-              </a:rPr>
-              <a:t>如何添加一个学生信息？</a:t>
-            </a:r>
-            <a:endParaRPr lang="zh-CN" altLang="en-US" sz="3200" dirty="0" smtClean="0">
-              <a:solidFill>
-                <a:srgbClr val="F8F8F8"/>
-              </a:solidFill>
-              <a:latin typeface="微软雅黑"/>
-              <a:ea typeface="微软雅黑"/>
-            </a:endParaRPr>
           </a:p>
         </p:txBody>
       </p:sp>
@@ -13195,13 +13171,6 @@
               </a:rPr>
               <a:t>字符容器（缓冲区）</a:t>
             </a:r>
-            <a:endParaRPr lang="zh-CN" altLang="en-US" sz="4800" i="1" dirty="0" smtClean="0">
-              <a:solidFill>
-                <a:srgbClr val="F8F8F8"/>
-              </a:solidFill>
-              <a:latin typeface="微软雅黑"/>
-              <a:ea typeface="微软雅黑"/>
-            </a:endParaRPr>
           </a:p>
         </p:txBody>
       </p:sp>
@@ -13555,16 +13524,6 @@
               </a:rPr>
               <a:t>示例</a:t>
             </a:r>
-            <a:endParaRPr lang="zh-CN" altLang="en-US" sz="2200" dirty="0">
-              <a:solidFill>
-                <a:srgbClr val="C2C1C1">
-                  <a:lumMod val="20000"/>
-                  <a:lumOff val="80000"/>
-                </a:srgbClr>
-              </a:solidFill>
-              <a:latin typeface="微软雅黑"/>
-              <a:ea typeface="微软雅黑"/>
-            </a:endParaRPr>
           </a:p>
         </p:txBody>
       </p:sp>
@@ -14153,13 +14112,6 @@
               </a:rPr>
               <a:t>动手做个简单实验吧！</a:t>
             </a:r>
-            <a:endParaRPr lang="zh-CN" altLang="en-US" sz="3200" dirty="0" smtClean="0">
-              <a:solidFill>
-                <a:srgbClr val="F8F8F8"/>
-              </a:solidFill>
-              <a:latin typeface="微软雅黑"/>
-              <a:ea typeface="微软雅黑"/>
-            </a:endParaRPr>
           </a:p>
         </p:txBody>
       </p:sp>
@@ -14858,17 +14810,7 @@
                 <a:latin typeface="+mj-ea"/>
                 <a:ea typeface="+mj-ea"/>
               </a:rPr>
-              <a:t>字符</a:t>
-            </a:r>
-            <a:r>
-              <a:rPr lang="zh-CN" altLang="en-US" sz="2400" b="1" dirty="0" smtClean="0">
-                <a:solidFill>
-                  <a:schemeClr val="tx2"/>
-                </a:solidFill>
-                <a:latin typeface="+mj-ea"/>
-                <a:ea typeface="+mj-ea"/>
-              </a:rPr>
-              <a:t>容器</a:t>
+              <a:t>字符容器</a:t>
             </a:r>
             <a:endParaRPr lang="zh-CN" altLang="en-US" sz="2400" b="1" dirty="0">
               <a:solidFill>
@@ -15248,17 +15190,7 @@
                 <a:latin typeface="+mn-ea"/>
                 <a:ea typeface="+mn-ea"/>
               </a:rPr>
-              <a:t>将字符串放在“容器”中，借助容器，实现对</a:t>
-            </a:r>
-            <a:r>
-              <a:rPr lang="zh-CN" altLang="en-US" sz="2000" dirty="0" smtClean="0">
-                <a:solidFill>
-                  <a:schemeClr val="tx2"/>
-                </a:solidFill>
-                <a:latin typeface="+mn-ea"/>
-                <a:ea typeface="+mn-ea"/>
-              </a:rPr>
-              <a:t>字符串的修改！</a:t>
+              <a:t>将字符串放在“容器”中，借助容器，实现对字符串的修改！</a:t>
             </a:r>
             <a:endParaRPr lang="zh-CN" altLang="en-US" sz="2000" dirty="0">
               <a:solidFill>
@@ -22769,13 +22701,6 @@
               </a:rPr>
               <a:t>系统时间</a:t>
             </a:r>
-            <a:endParaRPr lang="zh-CN" altLang="en-US" sz="2400" b="1" dirty="0">
-              <a:solidFill>
-                <a:srgbClr val="4D4D4D"/>
-              </a:solidFill>
-              <a:latin typeface="微软雅黑"/>
-              <a:ea typeface="微软雅黑"/>
-            </a:endParaRPr>
           </a:p>
         </p:txBody>
       </p:sp>
@@ -22882,13 +22807,6 @@
               </a:rPr>
               <a:t>数组复制</a:t>
             </a:r>
-            <a:endParaRPr lang="zh-CN" altLang="en-US" sz="2400" b="1" dirty="0">
-              <a:solidFill>
-                <a:srgbClr val="4D4D4D"/>
-              </a:solidFill>
-              <a:latin typeface="微软雅黑"/>
-              <a:ea typeface="微软雅黑"/>
-            </a:endParaRPr>
           </a:p>
         </p:txBody>
       </p:sp>
@@ -22922,17 +22840,7 @@
                 <a:latin typeface="微软雅黑"/>
                 <a:ea typeface="微软雅黑"/>
               </a:rPr>
-              <a:t>a</a:t>
-            </a:r>
-            <a:r>
-              <a:rPr lang="en-US" altLang="zh-CN" sz="2000" dirty="0" err="1">
-                <a:solidFill>
-                  <a:srgbClr val="4D4D4D"/>
-                </a:solidFill>
-                <a:latin typeface="微软雅黑"/>
-                <a:ea typeface="微软雅黑"/>
-              </a:rPr>
-              <a:t>rraycopy</a:t>
+              <a:t>arraycopy</a:t>
             </a:r>
             <a:endParaRPr lang="en-US" altLang="zh-CN" sz="2000" dirty="0">
               <a:solidFill>
@@ -22985,8 +22893,8 @@
   <p:transition spd="slow" advTm="8563">
     <p:push dir="r"/>
   </p:transition>
-  <mc:AlternateContent xmlns:mc="http://schemas.openxmlformats.org/markup-compatibility/2006">
-    <mc:Choice xmlns:p14="http://schemas.microsoft.com/office/powerpoint/2010/main" Requires="p14">
+  <mc:AlternateContent xmlns:mc="http://schemas.openxmlformats.org/markup-compatibility/2006" xmlns:p14="http://schemas.microsoft.com/office/powerpoint/2010/main">
+    <mc:Choice Requires="p14">
       <p:timing>
         <p:tnLst>
           <p:par>
@@ -24521,7 +24429,7 @@
         </p:bldLst>
       </p:timing>
     </mc:Choice>
-    <mc:Fallback>
+    <mc:Fallback xmlns="">
       <p:timing>
         <p:tnLst>
           <p:par>
@@ -26211,17 +26119,37 @@
           <a:p>
             <a:pPr algn="ctr"/>
             <a:r>
-              <a:rPr lang="en-US" altLang="zh-CN" sz="2800" dirty="0" smtClean="0">
+              <a:rPr lang="en-US" altLang="zh-CN" sz="2400" dirty="0" smtClean="0">
                 <a:solidFill>
                   <a:srgbClr val="F8F8F8"/>
                 </a:solidFill>
                 <a:latin typeface="微软雅黑"/>
                 <a:ea typeface="微软雅黑"/>
               </a:rPr>
-              <a:t>Java: Write Once, Run Anywhere</a:t>
+              <a:t>Java: </a:t>
             </a:r>
             <a:r>
-              <a:rPr lang="zh-CN" altLang="en-US" sz="2800" dirty="0" smtClean="0">
+              <a:rPr lang="en-US" altLang="zh-CN" sz="2400" dirty="0" smtClean="0">
+                <a:solidFill>
+                  <a:srgbClr val="F8F8F8"/>
+                </a:solidFill>
+                <a:latin typeface="微软雅黑"/>
+                <a:ea typeface="微软雅黑"/>
+              </a:rPr>
+              <a:t>Write/Compile </a:t>
+            </a:r>
+            <a:r>
+              <a:rPr lang="en-US" altLang="zh-CN" sz="2400" dirty="0" smtClean="0">
+                <a:solidFill>
+                  <a:srgbClr val="F8F8F8"/>
+                </a:solidFill>
+                <a:latin typeface="微软雅黑"/>
+                <a:ea typeface="微软雅黑"/>
+              </a:rPr>
+              <a:t>Once, Run Anywhere</a:t>
+            </a:r>
+            <a:r>
+              <a:rPr lang="zh-CN" altLang="en-US" sz="2400" dirty="0" smtClean="0">
                 <a:solidFill>
                   <a:srgbClr val="F8F8F8"/>
                 </a:solidFill>
@@ -26230,13 +26158,6 @@
               </a:rPr>
               <a:t>，一次编写，处处运行，为什么？</a:t>
             </a:r>
-            <a:endParaRPr lang="zh-CN" altLang="en-US" sz="2800" dirty="0" smtClean="0">
-              <a:solidFill>
-                <a:srgbClr val="F8F8F8"/>
-              </a:solidFill>
-              <a:latin typeface="微软雅黑"/>
-              <a:ea typeface="微软雅黑"/>
-            </a:endParaRPr>
           </a:p>
         </p:txBody>
       </p:sp>
@@ -27130,13 +27051,6 @@
               </a:rPr>
               <a:t>p213</a:t>
             </a:r>
-            <a:endParaRPr lang="en-US" altLang="zh-CN" sz="2800" i="1" dirty="0" smtClean="0">
-              <a:solidFill>
-                <a:srgbClr val="F8F8F8"/>
-              </a:solidFill>
-              <a:latin typeface="微软雅黑"/>
-              <a:ea typeface="微软雅黑"/>
-            </a:endParaRPr>
           </a:p>
         </p:txBody>
       </p:sp>
@@ -27989,13 +27903,6 @@
               </a:rPr>
               <a:t>…</a:t>
             </a:r>
-            <a:endParaRPr lang="en-US" altLang="zh-CN" dirty="0" smtClean="0">
-              <a:solidFill>
-                <a:srgbClr val="080808"/>
-              </a:solidFill>
-              <a:latin typeface="微软雅黑" pitchFamily="34" charset="-122"/>
-              <a:ea typeface="微软雅黑" pitchFamily="34" charset="-122"/>
-            </a:endParaRPr>
           </a:p>
         </p:txBody>
       </p:sp>
@@ -28193,13 +28100,6 @@
               </a:rPr>
               <a:t>insert</a:t>
             </a:r>
-            <a:endParaRPr lang="en-US" altLang="zh-CN" dirty="0" smtClean="0">
-              <a:solidFill>
-                <a:srgbClr val="080808"/>
-              </a:solidFill>
-              <a:latin typeface="微软雅黑" pitchFamily="34" charset="-122"/>
-              <a:ea typeface="微软雅黑" pitchFamily="34" charset="-122"/>
-            </a:endParaRPr>
           </a:p>
           <a:p>
             <a:pPr algn="ctr" eaLnBrk="0" fontAlgn="ctr" hangingPunct="0">
@@ -28666,13 +28566,6 @@
               </a:rPr>
               <a:t>…</a:t>
             </a:r>
-            <a:endParaRPr lang="en-US" altLang="zh-CN" dirty="0" smtClean="0">
-              <a:solidFill>
-                <a:srgbClr val="080808"/>
-              </a:solidFill>
-              <a:latin typeface="微软雅黑" pitchFamily="34" charset="-122"/>
-              <a:ea typeface="微软雅黑" pitchFamily="34" charset="-122"/>
-            </a:endParaRPr>
           </a:p>
         </p:txBody>
       </p:sp>
@@ -28831,13 +28724,6 @@
               </a:rPr>
               <a:t>JVM</a:t>
             </a:r>
-            <a:endParaRPr lang="en-US" altLang="zh-CN" dirty="0" smtClean="0">
-              <a:solidFill>
-                <a:srgbClr val="080808"/>
-              </a:solidFill>
-              <a:latin typeface="微软雅黑" pitchFamily="34" charset="-122"/>
-              <a:ea typeface="微软雅黑" pitchFamily="34" charset="-122"/>
-            </a:endParaRPr>
           </a:p>
           <a:p>
             <a:pPr algn="ctr" eaLnBrk="0" fontAlgn="ctr" hangingPunct="0">
@@ -29011,17 +28897,7 @@
                 <a:latin typeface="微软雅黑" pitchFamily="34" charset="-122"/>
                 <a:ea typeface="微软雅黑" pitchFamily="34" charset="-122"/>
               </a:rPr>
-              <a:t>次</a:t>
-            </a:r>
-            <a:r>
-              <a:rPr lang="zh-CN" altLang="en-US" sz="2400" dirty="0" smtClean="0">
-                <a:solidFill>
-                  <a:srgbClr val="4D4D4D"/>
-                </a:solidFill>
-                <a:latin typeface="微软雅黑" pitchFamily="34" charset="-122"/>
-                <a:ea typeface="微软雅黑" pitchFamily="34" charset="-122"/>
-              </a:rPr>
-              <a:t>课的内容</a:t>
+              <a:t>次课的内容</a:t>
             </a:r>
             <a:endParaRPr lang="zh-CN" altLang="en-US" sz="2400" dirty="0">
               <a:solidFill>
@@ -32110,8 +31986,8 @@
   <p:transition spd="slow" advTm="6158">
     <p:wipe/>
   </p:transition>
-  <mc:AlternateContent xmlns:mc="http://schemas.openxmlformats.org/markup-compatibility/2006">
-    <mc:Choice xmlns:p14="http://schemas.microsoft.com/office/powerpoint/2010/main" Requires="p14">
+  <mc:AlternateContent xmlns:mc="http://schemas.openxmlformats.org/markup-compatibility/2006" xmlns:p14="http://schemas.microsoft.com/office/powerpoint/2010/main">
+    <mc:Choice Requires="p14">
       <p:timing>
         <p:tnLst>
           <p:par>
@@ -33467,7 +33343,7 @@
         </p:bldLst>
       </p:timing>
     </mc:Choice>
-    <mc:Fallback>
+    <mc:Fallback xmlns="">
       <p:timing>
         <p:tnLst>
           <p:par>
@@ -36203,13 +36079,6 @@
               </a:rPr>
               <a:t>扩展思考： 长度限制（登录、注册、密码长度）等。</a:t>
             </a:r>
-            <a:endParaRPr lang="zh-CN" altLang="en-US" sz="3200" dirty="0" smtClean="0">
-              <a:solidFill>
-                <a:srgbClr val="F8F8F8"/>
-              </a:solidFill>
-              <a:latin typeface="微软雅黑"/>
-              <a:ea typeface="微软雅黑"/>
-            </a:endParaRPr>
           </a:p>
         </p:txBody>
       </p:sp>
